--- a/Farwater_ZRS/Рисунки.pptx
+++ b/Farwater_ZRS/Рисунки.pptx
@@ -5,16 +5,17 @@
     <p:sldMasterId id="2147483648" r:id="rId1"/>
   </p:sldMasterIdLst>
   <p:notesMasterIdLst>
-    <p:notesMasterId r:id="rId7"/>
+    <p:notesMasterId r:id="rId8"/>
   </p:notesMasterIdLst>
   <p:handoutMasterIdLst>
-    <p:handoutMasterId r:id="rId8"/>
+    <p:handoutMasterId r:id="rId9"/>
   </p:handoutMasterIdLst>
   <p:sldIdLst>
     <p:sldId id="256" r:id="rId3"/>
     <p:sldId id="257" r:id="rId4"/>
     <p:sldId id="258" r:id="rId5"/>
     <p:sldId id="259" r:id="rId6"/>
+    <p:sldId id="260" r:id="rId7"/>
   </p:sldIdLst>
   <p:sldSz cx="12192000" cy="6858000"/>
   <p:notesSz cx="7103745" cy="10234295"/>
@@ -3962,6 +3963,164 @@
           </a:prstGeom>
         </p:spPr>
       </p:pic>
+    </p:spTree>
+  </p:cSld>
+  <p:clrMapOvr>
+    <a:masterClrMapping/>
+  </p:clrMapOvr>
+</p:sld>
+</file>
+
+<file path=ppt/slides/slide5.xml><?xml version="1.0" encoding="utf-8"?>
+<p:sld xmlns:a="http://schemas.openxmlformats.org/drawingml/2006/main" xmlns:r="http://schemas.openxmlformats.org/officeDocument/2006/relationships" xmlns:p="http://schemas.openxmlformats.org/presentationml/2006/main">
+  <p:cSld>
+    <p:spTree>
+      <p:nvGrpSpPr>
+        <p:cNvPr id="1" name=""/>
+        <p:cNvGrpSpPr/>
+        <p:nvPr/>
+      </p:nvGrpSpPr>
+      <p:grpSpPr/>
+      <p:pic>
+        <p:nvPicPr>
+          <p:cNvPr id="5" name="Замещающее содержимое 4"/>
+          <p:cNvPicPr>
+            <a:picLocks noChangeAspect="1"/>
+          </p:cNvPicPr>
+          <p:nvPr>
+            <p:ph sz="quarter" idx="13"/>
+          </p:nvPr>
+        </p:nvPicPr>
+        <p:blipFill>
+          <a:blip r:embed="rId1"/>
+          <a:stretch>
+            <a:fillRect/>
+          </a:stretch>
+        </p:blipFill>
+        <p:spPr>
+          <a:xfrm>
+            <a:off x="2113280" y="788035"/>
+            <a:ext cx="6682740" cy="4744720"/>
+          </a:xfrm>
+          <a:prstGeom prst="rect">
+            <a:avLst/>
+          </a:prstGeom>
+        </p:spPr>
+      </p:pic>
+      <p:sp>
+        <p:nvSpPr>
+          <p:cNvPr id="6" name="Стрелка вправо 5"/>
+          <p:cNvSpPr/>
+          <p:nvPr/>
+        </p:nvSpPr>
+        <p:spPr>
+          <a:xfrm>
+            <a:off x="3286125" y="760095"/>
+            <a:ext cx="356235" cy="200025"/>
+          </a:xfrm>
+          <a:prstGeom prst="rightArrow">
+            <a:avLst/>
+          </a:prstGeom>
+          <a:solidFill>
+            <a:srgbClr val="FF3300"/>
+          </a:solidFill>
+        </p:spPr>
+        <p:style>
+          <a:lnRef idx="2">
+            <a:schemeClr val="accent1">
+              <a:lumMod val="75000"/>
+            </a:schemeClr>
+          </a:lnRef>
+          <a:fillRef idx="1">
+            <a:schemeClr val="accent1"/>
+          </a:fillRef>
+          <a:effectRef idx="0">
+            <a:srgbClr val="FFFFFF"/>
+          </a:effectRef>
+          <a:fontRef idx="minor">
+            <a:schemeClr val="lt1"/>
+          </a:fontRef>
+        </p:style>
+        <p:txBody>
+          <a:bodyPr rtlCol="0" anchor="ctr"/>
+          <a:p>
+            <a:pPr algn="ctr"/>
+            <a:endParaRPr lang="ru-RU" altLang="en-US"/>
+          </a:p>
+        </p:txBody>
+      </p:sp>
+      <p:sp>
+        <p:nvSpPr>
+          <p:cNvPr id="8" name="Стрелка вправо 7"/>
+          <p:cNvSpPr/>
+          <p:nvPr/>
+        </p:nvSpPr>
+        <p:spPr>
+          <a:xfrm rot="10800000">
+            <a:off x="2929890" y="760095"/>
+            <a:ext cx="356235" cy="200025"/>
+          </a:xfrm>
+          <a:prstGeom prst="rightArrow">
+            <a:avLst/>
+          </a:prstGeom>
+          <a:solidFill>
+            <a:srgbClr val="FF3300"/>
+          </a:solidFill>
+        </p:spPr>
+        <p:style>
+          <a:lnRef idx="2">
+            <a:schemeClr val="accent1">
+              <a:lumMod val="75000"/>
+            </a:schemeClr>
+          </a:lnRef>
+          <a:fillRef idx="1">
+            <a:schemeClr val="accent1"/>
+          </a:fillRef>
+          <a:effectRef idx="0">
+            <a:srgbClr val="FFFFFF"/>
+          </a:effectRef>
+          <a:fontRef idx="minor">
+            <a:schemeClr val="lt1"/>
+          </a:fontRef>
+        </p:style>
+        <p:txBody>
+          <a:bodyPr rtlCol="0" anchor="ctr"/>
+          <a:p>
+            <a:pPr algn="ctr"/>
+            <a:endParaRPr lang="ru-RU" altLang="en-US"/>
+          </a:p>
+        </p:txBody>
+      </p:sp>
+      <p:sp>
+        <p:nvSpPr>
+          <p:cNvPr id="9" name="Текстовое поле 8"/>
+          <p:cNvSpPr txBox="1"/>
+          <p:nvPr/>
+        </p:nvSpPr>
+        <p:spPr>
+          <a:xfrm>
+            <a:off x="2616835" y="327660"/>
+            <a:ext cx="1377315" cy="460375"/>
+          </a:xfrm>
+          <a:prstGeom prst="rect">
+            <a:avLst/>
+          </a:prstGeom>
+          <a:noFill/>
+        </p:spPr>
+        <p:txBody>
+          <a:bodyPr wrap="square" rtlCol="0">
+            <a:spAutoFit/>
+          </a:bodyPr>
+          <a:p>
+            <a:pPr algn="ctr"/>
+            <a:r>
+              <a:rPr lang="ru-RU" altLang="en-US" sz="1200"/>
+              <a:t>Сброс из водохранилища </a:t>
+            </a:r>
+            <a:endParaRPr lang="ru-RU" altLang="en-US" sz="1200"/>
+          </a:p>
+        </p:txBody>
+      </p:sp>
     </p:spTree>
   </p:cSld>
   <p:clrMapOvr>

--- a/Farwater_ZRS/Рисунки.pptx
+++ b/Farwater_ZRS/Рисунки.pptx
@@ -5,10 +5,10 @@
     <p:sldMasterId id="2147483648" r:id="rId1"/>
   </p:sldMasterIdLst>
   <p:notesMasterIdLst>
-    <p:notesMasterId r:id="rId8"/>
+    <p:notesMasterId r:id="rId12"/>
   </p:notesMasterIdLst>
   <p:handoutMasterIdLst>
-    <p:handoutMasterId r:id="rId9"/>
+    <p:handoutMasterId r:id="rId13"/>
   </p:handoutMasterIdLst>
   <p:sldIdLst>
     <p:sldId id="256" r:id="rId3"/>
@@ -16,6 +16,10 @@
     <p:sldId id="258" r:id="rId5"/>
     <p:sldId id="259" r:id="rId6"/>
     <p:sldId id="260" r:id="rId7"/>
+    <p:sldId id="261" r:id="rId8"/>
+    <p:sldId id="262" r:id="rId9"/>
+    <p:sldId id="263" r:id="rId10"/>
+    <p:sldId id="264" r:id="rId11"/>
   </p:sldIdLst>
   <p:sldSz cx="12192000" cy="6858000"/>
   <p:notesSz cx="7103745" cy="10234295"/>
@@ -122,7 +126,7 @@
             <a:srgbClr val="A4A3A4"/>
           </p15:clr>
         </p15:guide>
-        <p15:guide id="2" pos="3810" userDrawn="1">
+        <p15:guide id="2" pos="3839" userDrawn="1">
           <p15:clr>
             <a:srgbClr val="A4A3A4"/>
           </p15:clr>
@@ -4121,6 +4125,482 @@
           </a:p>
         </p:txBody>
       </p:sp>
+    </p:spTree>
+  </p:cSld>
+  <p:clrMapOvr>
+    <a:masterClrMapping/>
+  </p:clrMapOvr>
+</p:sld>
+</file>
+
+<file path=ppt/slides/slide6.xml><?xml version="1.0" encoding="utf-8"?>
+<p:sld xmlns:a="http://schemas.openxmlformats.org/drawingml/2006/main" xmlns:r="http://schemas.openxmlformats.org/officeDocument/2006/relationships" xmlns:p="http://schemas.openxmlformats.org/presentationml/2006/main">
+  <p:cSld>
+    <p:spTree>
+      <p:nvGrpSpPr>
+        <p:cNvPr id="1" name=""/>
+        <p:cNvGrpSpPr/>
+        <p:nvPr/>
+      </p:nvGrpSpPr>
+      <p:grpSpPr/>
+      <p:sp>
+        <p:nvSpPr>
+          <p:cNvPr id="4" name="Текстовое поле 3"/>
+          <p:cNvSpPr txBox="1"/>
+          <p:nvPr/>
+        </p:nvSpPr>
+        <p:spPr>
+          <a:xfrm>
+            <a:off x="4565650" y="4859655"/>
+            <a:ext cx="4128135" cy="368300"/>
+          </a:xfrm>
+          <a:prstGeom prst="rect">
+            <a:avLst/>
+          </a:prstGeom>
+          <a:noFill/>
+        </p:spPr>
+        <p:txBody>
+          <a:bodyPr wrap="square" rtlCol="0">
+            <a:spAutoFit/>
+          </a:bodyPr>
+          <a:p>
+            <a:pPr algn="ctr"/>
+            <a:r>
+              <a:rPr lang="ru-RU" altLang="ru-RU"/>
+              <a:t>Количество обработанных проб</a:t>
+            </a:r>
+            <a:endParaRPr lang="ru-RU" altLang="ru-RU"/>
+          </a:p>
+        </p:txBody>
+      </p:sp>
+      <p:sp>
+        <p:nvSpPr>
+          <p:cNvPr id="5" name="Текстовое поле 4"/>
+          <p:cNvSpPr txBox="1"/>
+          <p:nvPr/>
+        </p:nvSpPr>
+        <p:spPr>
+          <a:xfrm rot="16200000">
+            <a:off x="739775" y="2611120"/>
+            <a:ext cx="4128135" cy="368300"/>
+          </a:xfrm>
+          <a:prstGeom prst="rect">
+            <a:avLst/>
+          </a:prstGeom>
+          <a:noFill/>
+        </p:spPr>
+        <p:txBody>
+          <a:bodyPr wrap="square" rtlCol="0">
+            <a:spAutoFit/>
+          </a:bodyPr>
+          <a:p>
+            <a:pPr algn="ctr"/>
+            <a:r>
+              <a:rPr lang="ru-RU" altLang="ru-RU"/>
+              <a:t>Накопленное число видов</a:t>
+            </a:r>
+            <a:endParaRPr lang="ru-RU" altLang="ru-RU"/>
+          </a:p>
+        </p:txBody>
+      </p:sp>
+      <p:pic>
+        <p:nvPicPr>
+          <p:cNvPr id="10" name="Замещающее содержимое 9"/>
+          <p:cNvPicPr>
+            <a:picLocks noChangeAspect="1"/>
+          </p:cNvPicPr>
+          <p:nvPr>
+            <p:ph sz="quarter" idx="13"/>
+          </p:nvPr>
+        </p:nvPicPr>
+        <p:blipFill>
+          <a:blip r:embed="rId1"/>
+          <a:srcRect l="5469" t="12694" r="5052" b="10877"/>
+          <a:stretch>
+            <a:fillRect/>
+          </a:stretch>
+        </p:blipFill>
+        <p:spPr>
+          <a:xfrm>
+            <a:off x="2988310" y="1099820"/>
+            <a:ext cx="6545580" cy="3872865"/>
+          </a:xfrm>
+          <a:prstGeom prst="rect">
+            <a:avLst/>
+          </a:prstGeom>
+        </p:spPr>
+      </p:pic>
+    </p:spTree>
+  </p:cSld>
+  <p:clrMapOvr>
+    <a:masterClrMapping/>
+  </p:clrMapOvr>
+</p:sld>
+</file>
+
+<file path=ppt/slides/slide7.xml><?xml version="1.0" encoding="utf-8"?>
+<p:sld xmlns:a="http://schemas.openxmlformats.org/drawingml/2006/main" xmlns:r="http://schemas.openxmlformats.org/officeDocument/2006/relationships" xmlns:p="http://schemas.openxmlformats.org/presentationml/2006/main">
+  <p:cSld>
+    <p:spTree>
+      <p:nvGrpSpPr>
+        <p:cNvPr id="1" name=""/>
+        <p:cNvGrpSpPr/>
+        <p:nvPr/>
+      </p:nvGrpSpPr>
+      <p:grpSpPr/>
+      <p:pic>
+        <p:nvPicPr>
+          <p:cNvPr id="5" name="Замещающее содержимое 4"/>
+          <p:cNvPicPr>
+            <a:picLocks noChangeAspect="1"/>
+          </p:cNvPicPr>
+          <p:nvPr>
+            <p:ph sz="quarter" idx="13"/>
+          </p:nvPr>
+        </p:nvPicPr>
+        <p:blipFill>
+          <a:blip r:embed="rId1"/>
+          <a:stretch>
+            <a:fillRect/>
+          </a:stretch>
+        </p:blipFill>
+        <p:spPr>
+          <a:xfrm>
+            <a:off x="1805305" y="589280"/>
+            <a:ext cx="7315200" cy="5067300"/>
+          </a:xfrm>
+          <a:prstGeom prst="rect">
+            <a:avLst/>
+          </a:prstGeom>
+        </p:spPr>
+      </p:pic>
+      <p:sp>
+        <p:nvSpPr>
+          <p:cNvPr id="6" name="Стрелка влево 5"/>
+          <p:cNvSpPr/>
+          <p:nvPr/>
+        </p:nvSpPr>
+        <p:spPr>
+          <a:xfrm rot="5400000">
+            <a:off x="3227070" y="5227320"/>
+            <a:ext cx="513080" cy="380365"/>
+          </a:xfrm>
+          <a:prstGeom prst="leftArrow">
+            <a:avLst/>
+          </a:prstGeom>
+        </p:spPr>
+        <p:style>
+          <a:lnRef idx="2">
+            <a:schemeClr val="accent1">
+              <a:lumMod val="75000"/>
+            </a:schemeClr>
+          </a:lnRef>
+          <a:fillRef idx="1">
+            <a:schemeClr val="accent1"/>
+          </a:fillRef>
+          <a:effectRef idx="0">
+            <a:srgbClr val="FFFFFF"/>
+          </a:effectRef>
+          <a:fontRef idx="minor">
+            <a:schemeClr val="lt1"/>
+          </a:fontRef>
+        </p:style>
+        <p:txBody>
+          <a:bodyPr rtlCol="0" anchor="ctr"/>
+          <a:p>
+            <a:pPr algn="ctr"/>
+            <a:endParaRPr lang="ru-RU" altLang="en-US"/>
+          </a:p>
+        </p:txBody>
+      </p:sp>
+      <p:sp>
+        <p:nvSpPr>
+          <p:cNvPr id="7" name="Стрелка влево 6"/>
+          <p:cNvSpPr/>
+          <p:nvPr/>
+        </p:nvSpPr>
+        <p:spPr>
+          <a:xfrm rot="5400000">
+            <a:off x="7004050" y="5256530"/>
+            <a:ext cx="513080" cy="380365"/>
+          </a:xfrm>
+          <a:prstGeom prst="leftArrow">
+            <a:avLst/>
+          </a:prstGeom>
+        </p:spPr>
+        <p:style>
+          <a:lnRef idx="2">
+            <a:schemeClr val="accent1">
+              <a:lumMod val="75000"/>
+            </a:schemeClr>
+          </a:lnRef>
+          <a:fillRef idx="1">
+            <a:schemeClr val="accent1"/>
+          </a:fillRef>
+          <a:effectRef idx="0">
+            <a:srgbClr val="FFFFFF"/>
+          </a:effectRef>
+          <a:fontRef idx="minor">
+            <a:schemeClr val="lt1"/>
+          </a:fontRef>
+        </p:style>
+        <p:txBody>
+          <a:bodyPr rtlCol="0" anchor="ctr"/>
+          <a:p>
+            <a:pPr algn="ctr"/>
+            <a:endParaRPr lang="ru-RU" altLang="en-US"/>
+          </a:p>
+        </p:txBody>
+      </p:sp>
+    </p:spTree>
+  </p:cSld>
+  <p:clrMapOvr>
+    <a:masterClrMapping/>
+  </p:clrMapOvr>
+</p:sld>
+</file>
+
+<file path=ppt/slides/slide8.xml><?xml version="1.0" encoding="utf-8"?>
+<p:sld xmlns:a="http://schemas.openxmlformats.org/drawingml/2006/main" xmlns:r="http://schemas.openxmlformats.org/officeDocument/2006/relationships" xmlns:p="http://schemas.openxmlformats.org/presentationml/2006/main">
+  <p:cSld>
+    <p:spTree>
+      <p:nvGrpSpPr>
+        <p:cNvPr id="1" name=""/>
+        <p:cNvGrpSpPr/>
+        <p:nvPr/>
+      </p:nvGrpSpPr>
+      <p:grpSpPr/>
+      <p:pic>
+        <p:nvPicPr>
+          <p:cNvPr id="3" name="Изображение 2" descr="Community_map"/>
+          <p:cNvPicPr>
+            <a:picLocks noChangeAspect="1"/>
+          </p:cNvPicPr>
+          <p:nvPr/>
+        </p:nvPicPr>
+        <p:blipFill>
+          <a:blip r:embed="rId1"/>
+          <a:srcRect l="31248" r="28896" b="2231"/>
+          <a:stretch>
+            <a:fillRect/>
+          </a:stretch>
+        </p:blipFill>
+        <p:spPr>
+          <a:xfrm>
+            <a:off x="3298825" y="540385"/>
+            <a:ext cx="3646170" cy="6191885"/>
+          </a:xfrm>
+          <a:prstGeom prst="rect">
+            <a:avLst/>
+          </a:prstGeom>
+        </p:spPr>
+      </p:pic>
+    </p:spTree>
+  </p:cSld>
+  <p:clrMapOvr>
+    <a:masterClrMapping/>
+  </p:clrMapOvr>
+</p:sld>
+</file>
+
+<file path=ppt/slides/slide9.xml><?xml version="1.0" encoding="utf-8"?>
+<p:sld xmlns:a="http://schemas.openxmlformats.org/drawingml/2006/main" xmlns:r="http://schemas.openxmlformats.org/officeDocument/2006/relationships" xmlns:p="http://schemas.openxmlformats.org/presentationml/2006/main">
+  <p:cSld>
+    <p:spTree>
+      <p:nvGrpSpPr>
+        <p:cNvPr id="1" name=""/>
+        <p:cNvGrpSpPr/>
+        <p:nvPr/>
+      </p:nvGrpSpPr>
+      <p:grpSpPr/>
+      <p:grpSp>
+        <p:nvGrpSpPr>
+          <p:cNvPr id="9" name="Группа 8"/>
+          <p:cNvGrpSpPr/>
+          <p:nvPr/>
+        </p:nvGrpSpPr>
+        <p:grpSpPr>
+          <a:xfrm>
+            <a:off x="2770505" y="1176655"/>
+            <a:ext cx="8289290" cy="4503420"/>
+            <a:chOff x="4363" y="1853"/>
+            <a:chExt cx="13054" cy="7092"/>
+          </a:xfrm>
+        </p:grpSpPr>
+        <p:pic>
+          <p:nvPicPr>
+            <p:cNvPr id="4" name="Изображение 3" descr="Monitoring_samples_map"/>
+            <p:cNvPicPr>
+              <a:picLocks noChangeAspect="1"/>
+            </p:cNvPicPr>
+            <p:nvPr/>
+          </p:nvPicPr>
+          <p:blipFill>
+            <a:blip r:embed="rId1"/>
+            <a:srcRect l="4307" r="25967"/>
+            <a:stretch>
+              <a:fillRect/>
+            </a:stretch>
+          </p:blipFill>
+          <p:spPr>
+            <a:xfrm>
+              <a:off x="4363" y="1853"/>
+              <a:ext cx="7140" cy="7093"/>
+            </a:xfrm>
+            <a:prstGeom prst="rect">
+              <a:avLst/>
+            </a:prstGeom>
+          </p:spPr>
+        </p:pic>
+        <p:sp>
+          <p:nvSpPr>
+            <p:cNvPr id="5" name="Прямоугольник 4"/>
+            <p:cNvSpPr/>
+            <p:nvPr/>
+          </p:nvSpPr>
+          <p:spPr>
+            <a:xfrm>
+              <a:off x="10602" y="4493"/>
+              <a:ext cx="1124" cy="449"/>
+            </a:xfrm>
+            <a:prstGeom prst="rect">
+              <a:avLst/>
+            </a:prstGeom>
+            <a:solidFill>
+              <a:schemeClr val="bg1"/>
+            </a:solidFill>
+            <a:ln>
+              <a:noFill/>
+            </a:ln>
+          </p:spPr>
+          <p:style>
+            <a:lnRef idx="2">
+              <a:schemeClr val="accent1">
+                <a:lumMod val="75000"/>
+              </a:schemeClr>
+            </a:lnRef>
+            <a:fillRef idx="1">
+              <a:schemeClr val="accent1"/>
+            </a:fillRef>
+            <a:effectRef idx="0">
+              <a:srgbClr val="FFFFFF"/>
+            </a:effectRef>
+            <a:fontRef idx="minor">
+              <a:schemeClr val="lt1"/>
+            </a:fontRef>
+          </p:style>
+          <p:txBody>
+            <a:bodyPr rtlCol="0" anchor="ctr"/>
+            <a:p>
+              <a:pPr algn="ctr"/>
+              <a:endParaRPr lang="ru-RU" altLang="en-US"/>
+            </a:p>
+          </p:txBody>
+        </p:sp>
+        <p:sp>
+          <p:nvSpPr>
+            <p:cNvPr id="6" name="Прямоугольник 5"/>
+            <p:cNvSpPr/>
+            <p:nvPr/>
+          </p:nvSpPr>
+          <p:spPr>
+            <a:xfrm>
+              <a:off x="11137" y="4942"/>
+              <a:ext cx="1124" cy="683"/>
+            </a:xfrm>
+            <a:prstGeom prst="rect">
+              <a:avLst/>
+            </a:prstGeom>
+            <a:solidFill>
+              <a:schemeClr val="bg1"/>
+            </a:solidFill>
+            <a:ln>
+              <a:noFill/>
+            </a:ln>
+          </p:spPr>
+          <p:style>
+            <a:lnRef idx="2">
+              <a:schemeClr val="accent1">
+                <a:lumMod val="75000"/>
+              </a:schemeClr>
+            </a:lnRef>
+            <a:fillRef idx="1">
+              <a:schemeClr val="accent1"/>
+            </a:fillRef>
+            <a:effectRef idx="0">
+              <a:srgbClr val="FFFFFF"/>
+            </a:effectRef>
+            <a:fontRef idx="minor">
+              <a:schemeClr val="lt1"/>
+            </a:fontRef>
+          </p:style>
+          <p:txBody>
+            <a:bodyPr rtlCol="0" anchor="ctr"/>
+            <a:p>
+              <a:pPr algn="ctr"/>
+              <a:endParaRPr lang="ru-RU" altLang="en-US"/>
+            </a:p>
+          </p:txBody>
+        </p:sp>
+        <p:sp>
+          <p:nvSpPr>
+            <p:cNvPr id="7" name="Текстовое поле 6"/>
+            <p:cNvSpPr txBox="1"/>
+            <p:nvPr/>
+          </p:nvSpPr>
+          <p:spPr>
+            <a:xfrm>
+              <a:off x="11017" y="4838"/>
+              <a:ext cx="6400" cy="434"/>
+            </a:xfrm>
+            <a:prstGeom prst="rect">
+              <a:avLst/>
+            </a:prstGeom>
+            <a:noFill/>
+          </p:spPr>
+          <p:txBody>
+            <a:bodyPr wrap="square" rtlCol="0">
+              <a:spAutoFit/>
+            </a:bodyPr>
+            <a:p>
+              <a:r>
+                <a:rPr lang="ru-RU" altLang="ru-RU" sz="1200"/>
+                <a:t>Точки мониторинга Кандалакшского заповедника</a:t>
+              </a:r>
+              <a:endParaRPr lang="ru-RU" altLang="ru-RU" sz="1200"/>
+            </a:p>
+          </p:txBody>
+        </p:sp>
+        <p:sp>
+          <p:nvSpPr>
+            <p:cNvPr id="8" name="Текстовое поле 7"/>
+            <p:cNvSpPr txBox="1"/>
+            <p:nvPr/>
+          </p:nvSpPr>
+          <p:spPr>
+            <a:xfrm>
+              <a:off x="11017" y="5272"/>
+              <a:ext cx="6400" cy="434"/>
+            </a:xfrm>
+            <a:prstGeom prst="rect">
+              <a:avLst/>
+            </a:prstGeom>
+            <a:noFill/>
+          </p:spPr>
+          <p:txBody>
+            <a:bodyPr wrap="square" rtlCol="0">
+              <a:spAutoFit/>
+            </a:bodyPr>
+            <a:p>
+              <a:r>
+                <a:rPr lang="ru-RU" altLang="ru-RU" sz="1200"/>
+                <a:t>Точки мониторинга ЗИН РАН</a:t>
+              </a:r>
+              <a:endParaRPr lang="ru-RU" altLang="ru-RU" sz="1200"/>
+            </a:p>
+          </p:txBody>
+        </p:sp>
+      </p:grpSp>
     </p:spTree>
   </p:cSld>
   <p:clrMapOvr>

--- a/Farwater_ZRS/Рисунки.pptx
+++ b/Farwater_ZRS/Рисунки.pptx
@@ -126,7 +126,7 @@
             <a:srgbClr val="A4A3A4"/>
           </p15:clr>
         </p15:guide>
-        <p15:guide id="2" pos="3839" userDrawn="1">
+        <p15:guide id="2" pos="3840" userDrawn="1">
           <p15:clr>
             <a:srgbClr val="A4A3A4"/>
           </p15:clr>
@@ -4205,7 +4205,7 @@
       </p:sp>
       <p:pic>
         <p:nvPicPr>
-          <p:cNvPr id="10" name="Замещающее содержимое 9"/>
+          <p:cNvPr id="7" name="Замещающее содержимое 6"/>
           <p:cNvPicPr>
             <a:picLocks noChangeAspect="1"/>
           </p:cNvPicPr>
@@ -4215,15 +4215,15 @@
         </p:nvPicPr>
         <p:blipFill>
           <a:blip r:embed="rId1"/>
-          <a:srcRect l="5469" t="12694" r="5052" b="10877"/>
+          <a:srcRect l="5286" t="13847" r="4852" b="12556"/>
           <a:stretch>
             <a:fillRect/>
           </a:stretch>
         </p:blipFill>
         <p:spPr>
           <a:xfrm>
-            <a:off x="2988310" y="1099820"/>
-            <a:ext cx="6545580" cy="3872865"/>
+            <a:off x="2997200" y="1130300"/>
+            <a:ext cx="6573520" cy="3729355"/>
           </a:xfrm>
           <a:prstGeom prst="rect">
             <a:avLst/>
@@ -4370,31 +4370,216 @@
         <p:nvPr/>
       </p:nvGrpSpPr>
       <p:grpSpPr/>
-      <p:pic>
-        <p:nvPicPr>
-          <p:cNvPr id="3" name="Изображение 2" descr="Community_map"/>
-          <p:cNvPicPr>
-            <a:picLocks noChangeAspect="1"/>
-          </p:cNvPicPr>
+      <p:grpSp>
+        <p:nvGrpSpPr>
+          <p:cNvPr id="10" name="Группа 9"/>
+          <p:cNvGrpSpPr/>
           <p:nvPr/>
-        </p:nvPicPr>
-        <p:blipFill>
-          <a:blip r:embed="rId1"/>
-          <a:srcRect l="31248" r="28896" b="2231"/>
-          <a:stretch>
-            <a:fillRect/>
-          </a:stretch>
-        </p:blipFill>
-        <p:spPr>
+        </p:nvGrpSpPr>
+        <p:grpSpPr>
           <a:xfrm>
-            <a:off x="3298825" y="540385"/>
-            <a:ext cx="3646170" cy="6191885"/>
+            <a:off x="4093210" y="0"/>
+            <a:ext cx="4004310" cy="6695440"/>
+            <a:chOff x="6446" y="0"/>
+            <a:chExt cx="6306" cy="10544"/>
           </a:xfrm>
-          <a:prstGeom prst="rect">
-            <a:avLst/>
-          </a:prstGeom>
-        </p:spPr>
-      </p:pic>
+        </p:grpSpPr>
+        <p:pic>
+          <p:nvPicPr>
+            <p:cNvPr id="2" name="Изображение 1" descr="Community_map"/>
+            <p:cNvPicPr>
+              <a:picLocks noChangeAspect="1"/>
+            </p:cNvPicPr>
+            <p:nvPr/>
+          </p:nvPicPr>
+          <p:blipFill>
+            <a:blip r:embed="rId1"/>
+            <a:srcRect l="31094" r="28479" b="2370"/>
+            <a:stretch>
+              <a:fillRect/>
+            </a:stretch>
+          </p:blipFill>
+          <p:spPr>
+            <a:xfrm>
+              <a:off x="6446" y="0"/>
+              <a:ext cx="6307" cy="10544"/>
+            </a:xfrm>
+            <a:prstGeom prst="rect">
+              <a:avLst/>
+            </a:prstGeom>
+          </p:spPr>
+        </p:pic>
+        <p:pic>
+          <p:nvPicPr>
+            <p:cNvPr id="4" name="Изображение 3" descr="Rplot02"/>
+            <p:cNvPicPr>
+              <a:picLocks noChangeAspect="1"/>
+            </p:cNvPicPr>
+            <p:nvPr/>
+          </p:nvPicPr>
+          <p:blipFill>
+            <a:blip r:embed="rId2"/>
+            <a:srcRect l="25762" t="5583" r="48818" b="14070"/>
+            <a:stretch>
+              <a:fillRect/>
+            </a:stretch>
+          </p:blipFill>
+          <p:spPr>
+            <a:xfrm>
+              <a:off x="11629" y="204"/>
+              <a:ext cx="501" cy="2486"/>
+            </a:xfrm>
+            <a:prstGeom prst="rect">
+              <a:avLst/>
+            </a:prstGeom>
+          </p:spPr>
+        </p:pic>
+        <p:sp>
+          <p:nvSpPr>
+            <p:cNvPr id="5" name="Текстовое поле 4"/>
+            <p:cNvSpPr txBox="1"/>
+            <p:nvPr/>
+          </p:nvSpPr>
+          <p:spPr>
+            <a:xfrm>
+              <a:off x="12196" y="252"/>
+              <a:ext cx="336" cy="362"/>
+            </a:xfrm>
+            <a:prstGeom prst="rect">
+              <a:avLst/>
+            </a:prstGeom>
+            <a:noFill/>
+          </p:spPr>
+          <p:txBody>
+            <a:bodyPr wrap="square" rtlCol="0">
+              <a:spAutoFit/>
+            </a:bodyPr>
+            <a:p>
+              <a:r>
+                <a:rPr lang="ru-RU" altLang="en-US" sz="900"/>
+                <a:t>1</a:t>
+              </a:r>
+              <a:endParaRPr lang="ru-RU" altLang="en-US" sz="900"/>
+            </a:p>
+          </p:txBody>
+        </p:sp>
+        <p:sp>
+          <p:nvSpPr>
+            <p:cNvPr id="6" name="Текстовое поле 5"/>
+            <p:cNvSpPr txBox="1"/>
+            <p:nvPr/>
+          </p:nvSpPr>
+          <p:spPr>
+            <a:xfrm>
+              <a:off x="12196" y="814"/>
+              <a:ext cx="336" cy="362"/>
+            </a:xfrm>
+            <a:prstGeom prst="rect">
+              <a:avLst/>
+            </a:prstGeom>
+            <a:noFill/>
+          </p:spPr>
+          <p:txBody>
+            <a:bodyPr wrap="square" rtlCol="0">
+              <a:spAutoFit/>
+            </a:bodyPr>
+            <a:p>
+              <a:r>
+                <a:rPr lang="ru-RU" altLang="en-US" sz="900"/>
+                <a:t>2</a:t>
+              </a:r>
+              <a:endParaRPr lang="ru-RU" altLang="en-US" sz="900"/>
+            </a:p>
+          </p:txBody>
+        </p:sp>
+        <p:sp>
+          <p:nvSpPr>
+            <p:cNvPr id="7" name="Текстовое поле 6"/>
+            <p:cNvSpPr txBox="1"/>
+            <p:nvPr/>
+          </p:nvSpPr>
+          <p:spPr>
+            <a:xfrm>
+              <a:off x="12196" y="1266"/>
+              <a:ext cx="336" cy="362"/>
+            </a:xfrm>
+            <a:prstGeom prst="rect">
+              <a:avLst/>
+            </a:prstGeom>
+            <a:noFill/>
+          </p:spPr>
+          <p:txBody>
+            <a:bodyPr wrap="square" rtlCol="0">
+              <a:spAutoFit/>
+            </a:bodyPr>
+            <a:p>
+              <a:r>
+                <a:rPr lang="ru-RU" altLang="en-US" sz="900"/>
+                <a:t>3</a:t>
+              </a:r>
+              <a:endParaRPr lang="ru-RU" altLang="en-US" sz="900"/>
+            </a:p>
+          </p:txBody>
+        </p:sp>
+        <p:sp>
+          <p:nvSpPr>
+            <p:cNvPr id="8" name="Текстовое поле 7"/>
+            <p:cNvSpPr txBox="1"/>
+            <p:nvPr/>
+          </p:nvSpPr>
+          <p:spPr>
+            <a:xfrm>
+              <a:off x="12196" y="1772"/>
+              <a:ext cx="336" cy="362"/>
+            </a:xfrm>
+            <a:prstGeom prst="rect">
+              <a:avLst/>
+            </a:prstGeom>
+            <a:noFill/>
+          </p:spPr>
+          <p:txBody>
+            <a:bodyPr wrap="square" rtlCol="0">
+              <a:spAutoFit/>
+            </a:bodyPr>
+            <a:p>
+              <a:r>
+                <a:rPr lang="ru-RU" altLang="en-US" sz="900"/>
+                <a:t>4</a:t>
+              </a:r>
+              <a:endParaRPr lang="ru-RU" altLang="en-US" sz="900"/>
+            </a:p>
+          </p:txBody>
+        </p:sp>
+        <p:sp>
+          <p:nvSpPr>
+            <p:cNvPr id="9" name="Текстовое поле 8"/>
+            <p:cNvSpPr txBox="1"/>
+            <p:nvPr/>
+          </p:nvSpPr>
+          <p:spPr>
+            <a:xfrm>
+              <a:off x="12196" y="2280"/>
+              <a:ext cx="336" cy="362"/>
+            </a:xfrm>
+            <a:prstGeom prst="rect">
+              <a:avLst/>
+            </a:prstGeom>
+            <a:noFill/>
+          </p:spPr>
+          <p:txBody>
+            <a:bodyPr wrap="square" rtlCol="0">
+              <a:spAutoFit/>
+            </a:bodyPr>
+            <a:p>
+              <a:r>
+                <a:rPr lang="ru-RU" altLang="en-US" sz="900"/>
+                <a:t>5</a:t>
+              </a:r>
+              <a:endParaRPr lang="ru-RU" altLang="en-US" sz="900"/>
+            </a:p>
+          </p:txBody>
+        </p:sp>
+      </p:grpSp>
     </p:spTree>
   </p:cSld>
   <p:clrMapOvr>

--- a/Farwater_ZRS/Рисунки.pptx
+++ b/Farwater_ZRS/Рисунки.pptx
@@ -121,7 +121,7 @@
   <p:extLst>
     <p:ext uri="{EFAFB233-063F-42B5-8137-9DF3F51BA10A}">
       <p15:sldGuideLst xmlns:p15="http://schemas.microsoft.com/office/powerpoint/2012/main">
-        <p15:guide id="1" orient="horz" pos="2160" userDrawn="1">
+        <p15:guide id="1" orient="horz" pos="2121" userDrawn="1">
           <p15:clr>
             <a:srgbClr val="A4A3A4"/>
           </p15:clr>
@@ -3740,16 +3740,16 @@
       <p:grpSpPr/>
       <p:grpSp>
         <p:nvGrpSpPr>
-          <p:cNvPr id="8" name="Группа 7"/>
+          <p:cNvPr id="10" name="Группа 9"/>
           <p:cNvGrpSpPr/>
           <p:nvPr/>
         </p:nvGrpSpPr>
         <p:grpSpPr>
           <a:xfrm>
             <a:off x="2110740" y="349250"/>
-            <a:ext cx="5782310" cy="6038215"/>
+            <a:ext cx="5828030" cy="6038215"/>
             <a:chOff x="3324" y="550"/>
-            <a:chExt cx="9106" cy="9509"/>
+            <a:chExt cx="9178" cy="9509"/>
           </a:xfrm>
         </p:grpSpPr>
         <p:pic>
@@ -3779,7 +3779,7 @@
         </p:pic>
         <p:pic>
           <p:nvPicPr>
-            <p:cNvPr id="5" name="Изображение 4" descr="Salinity_map_2015"/>
+            <p:cNvPr id="7" name="Изображение 6" descr="Salinity_map_2024"/>
             <p:cNvPicPr>
               <a:picLocks noChangeAspect="1"/>
             </p:cNvPicPr>
@@ -3787,56 +3787,6 @@
           </p:nvPicPr>
           <p:blipFill>
             <a:blip r:embed="rId2"/>
-            <a:srcRect l="27092" r="19559" b="29575"/>
-            <a:stretch>
-              <a:fillRect/>
-            </a:stretch>
-          </p:blipFill>
-          <p:spPr>
-            <a:xfrm>
-              <a:off x="4050" y="5400"/>
-              <a:ext cx="4154" cy="3797"/>
-            </a:xfrm>
-            <a:prstGeom prst="rect">
-              <a:avLst/>
-            </a:prstGeom>
-          </p:spPr>
-        </p:pic>
-        <p:pic>
-          <p:nvPicPr>
-            <p:cNvPr id="6" name="Изображение 5" descr="Salinity_map_2024"/>
-            <p:cNvPicPr>
-              <a:picLocks noChangeAspect="1"/>
-            </p:cNvPicPr>
-            <p:nvPr/>
-          </p:nvPicPr>
-          <p:blipFill>
-            <a:blip r:embed="rId3"/>
-            <a:srcRect l="26914" r="19701" b="29909"/>
-            <a:stretch>
-              <a:fillRect/>
-            </a:stretch>
-          </p:blipFill>
-          <p:spPr>
-            <a:xfrm>
-              <a:off x="8204" y="5400"/>
-              <a:ext cx="4176" cy="3797"/>
-            </a:xfrm>
-            <a:prstGeom prst="rect">
-              <a:avLst/>
-            </a:prstGeom>
-          </p:spPr>
-        </p:pic>
-        <p:pic>
-          <p:nvPicPr>
-            <p:cNvPr id="7" name="Изображение 6" descr="Salinity_map_2024"/>
-            <p:cNvPicPr>
-              <a:picLocks noChangeAspect="1"/>
-            </p:cNvPicPr>
-            <p:nvPr/>
-          </p:nvPicPr>
-          <p:blipFill>
-            <a:blip r:embed="rId3"/>
             <a:srcRect l="36361" t="83680" r="27795" b="2649"/>
             <a:stretch>
               <a:fillRect/>
@@ -3846,6 +3796,56 @@
             <a:xfrm>
               <a:off x="6245" y="9197"/>
               <a:ext cx="3264" cy="862"/>
+            </a:xfrm>
+            <a:prstGeom prst="rect">
+              <a:avLst/>
+            </a:prstGeom>
+          </p:spPr>
+        </p:pic>
+        <p:pic>
+          <p:nvPicPr>
+            <p:cNvPr id="3" name="Изображение 2" descr="Salinity_map_2015"/>
+            <p:cNvPicPr>
+              <a:picLocks noChangeAspect="1"/>
+            </p:cNvPicPr>
+            <p:nvPr/>
+          </p:nvPicPr>
+          <p:blipFill>
+            <a:blip r:embed="rId3"/>
+            <a:srcRect l="27872" t="1618" r="20261" b="30024"/>
+            <a:stretch>
+              <a:fillRect/>
+            </a:stretch>
+          </p:blipFill>
+          <p:spPr>
+            <a:xfrm>
+              <a:off x="3984" y="5336"/>
+              <a:ext cx="4220" cy="3852"/>
+            </a:xfrm>
+            <a:prstGeom prst="rect">
+              <a:avLst/>
+            </a:prstGeom>
+          </p:spPr>
+        </p:pic>
+        <p:pic>
+          <p:nvPicPr>
+            <p:cNvPr id="9" name="Изображение 8" descr="Salinity_map_2024"/>
+            <p:cNvPicPr>
+              <a:picLocks noChangeAspect="1"/>
+            </p:cNvPicPr>
+            <p:nvPr/>
+          </p:nvPicPr>
+          <p:blipFill>
+            <a:blip r:embed="rId4"/>
+            <a:srcRect l="27795" t="1903" r="20020" b="29960"/>
+            <a:stretch>
+              <a:fillRect/>
+            </a:stretch>
+          </p:blipFill>
+          <p:spPr>
+            <a:xfrm>
+              <a:off x="8242" y="5336"/>
+              <a:ext cx="4260" cy="3852"/>
             </a:xfrm>
             <a:prstGeom prst="rect">
               <a:avLst/>
